--- a/archive/2022年度　統計学関連/08_ch8_母数の点推定/統計学_ch8.pptx
+++ b/archive/2022年度　統計学関連/08_ch8_母数の点推定/統計学_ch8.pptx
@@ -247,7 +247,7 @@
           <a:p>
             <a:fld id="{1895A64F-7672-4A38-B12D-41B8FA3C90DE}" type="datetimeFigureOut">
               <a:rPr kumimoji="1" lang="ja-JP" altLang="en-US" smtClean="0"/>
-              <a:t>2022/11/23</a:t>
+              <a:t>2023/9/13</a:t>
             </a:fld>
             <a:endParaRPr kumimoji="1" lang="ja-JP" altLang="en-US"/>
           </a:p>
@@ -544,6 +544,174 @@
     </a:lvl9pPr>
   </p:notesStyle>
 </p:notesMaster>
+</file>
+
+<file path=ppt/notesSlides/notesSlide1.xml><?xml version="1.0" encoding="utf-8"?>
+<p:notes xmlns:a="http://schemas.openxmlformats.org/drawingml/2006/main" xmlns:r="http://schemas.openxmlformats.org/officeDocument/2006/relationships" xmlns:p="http://schemas.openxmlformats.org/presentationml/2006/main">
+  <p:cSld>
+    <p:spTree>
+      <p:nvGrpSpPr>
+        <p:cNvPr id="1" name=""/>
+        <p:cNvGrpSpPr/>
+        <p:nvPr/>
+      </p:nvGrpSpPr>
+      <p:grpSpPr>
+        <a:xfrm>
+          <a:off x="0" y="0"/>
+          <a:ext cx="0" cy="0"/>
+          <a:chOff x="0" y="0"/>
+          <a:chExt cx="0" cy="0"/>
+        </a:xfrm>
+      </p:grpSpPr>
+      <p:sp>
+        <p:nvSpPr>
+          <p:cNvPr id="2" name="Slide Image Placeholder 1"/>
+          <p:cNvSpPr>
+            <a:spLocks noGrp="1" noRot="1" noChangeAspect="1"/>
+          </p:cNvSpPr>
+          <p:nvPr>
+            <p:ph type="sldImg"/>
+          </p:nvPr>
+        </p:nvSpPr>
+        <p:spPr/>
+      </p:sp>
+      <p:sp>
+        <p:nvSpPr>
+          <p:cNvPr id="3" name="Notes Placeholder 2"/>
+          <p:cNvSpPr>
+            <a:spLocks noGrp="1"/>
+          </p:cNvSpPr>
+          <p:nvPr>
+            <p:ph type="body" idx="1"/>
+          </p:nvPr>
+        </p:nvSpPr>
+        <p:spPr/>
+        <p:txBody>
+          <a:bodyPr/>
+          <a:lstStyle/>
+          <a:p>
+            <a:endParaRPr lang="en-JP" dirty="0"/>
+          </a:p>
+        </p:txBody>
+      </p:sp>
+      <p:sp>
+        <p:nvSpPr>
+          <p:cNvPr id="4" name="Slide Number Placeholder 3"/>
+          <p:cNvSpPr>
+            <a:spLocks noGrp="1"/>
+          </p:cNvSpPr>
+          <p:nvPr>
+            <p:ph type="sldNum" sz="quarter" idx="5"/>
+          </p:nvPr>
+        </p:nvSpPr>
+        <p:spPr/>
+        <p:txBody>
+          <a:bodyPr/>
+          <a:lstStyle/>
+          <a:p>
+            <a:fld id="{F564EE56-D8FA-46A2-BDA0-45859955D89D}" type="slidenum">
+              <a:rPr kumimoji="1" lang="ja-JP" altLang="en-US" smtClean="0"/>
+              <a:t>9</a:t>
+            </a:fld>
+            <a:endParaRPr kumimoji="1" lang="ja-JP" altLang="en-US"/>
+          </a:p>
+        </p:txBody>
+      </p:sp>
+    </p:spTree>
+    <p:extLst>
+      <p:ext uri="{BB962C8B-B14F-4D97-AF65-F5344CB8AC3E}">
+        <p14:creationId xmlns:p14="http://schemas.microsoft.com/office/powerpoint/2010/main" val="4065339509"/>
+      </p:ext>
+    </p:extLst>
+  </p:cSld>
+  <p:clrMapOvr>
+    <a:masterClrMapping/>
+  </p:clrMapOvr>
+</p:notes>
+</file>
+
+<file path=ppt/notesSlides/notesSlide2.xml><?xml version="1.0" encoding="utf-8"?>
+<p:notes xmlns:a="http://schemas.openxmlformats.org/drawingml/2006/main" xmlns:r="http://schemas.openxmlformats.org/officeDocument/2006/relationships" xmlns:p="http://schemas.openxmlformats.org/presentationml/2006/main">
+  <p:cSld>
+    <p:spTree>
+      <p:nvGrpSpPr>
+        <p:cNvPr id="1" name=""/>
+        <p:cNvGrpSpPr/>
+        <p:nvPr/>
+      </p:nvGrpSpPr>
+      <p:grpSpPr>
+        <a:xfrm>
+          <a:off x="0" y="0"/>
+          <a:ext cx="0" cy="0"/>
+          <a:chOff x="0" y="0"/>
+          <a:chExt cx="0" cy="0"/>
+        </a:xfrm>
+      </p:grpSpPr>
+      <p:sp>
+        <p:nvSpPr>
+          <p:cNvPr id="2" name="Slide Image Placeholder 1"/>
+          <p:cNvSpPr>
+            <a:spLocks noGrp="1" noRot="1" noChangeAspect="1"/>
+          </p:cNvSpPr>
+          <p:nvPr>
+            <p:ph type="sldImg"/>
+          </p:nvPr>
+        </p:nvSpPr>
+        <p:spPr/>
+      </p:sp>
+      <p:sp>
+        <p:nvSpPr>
+          <p:cNvPr id="3" name="Notes Placeholder 2"/>
+          <p:cNvSpPr>
+            <a:spLocks noGrp="1"/>
+          </p:cNvSpPr>
+          <p:nvPr>
+            <p:ph type="body" idx="1"/>
+          </p:nvPr>
+        </p:nvSpPr>
+        <p:spPr/>
+        <p:txBody>
+          <a:bodyPr/>
+          <a:lstStyle/>
+          <a:p>
+            <a:endParaRPr lang="en-JP" dirty="0"/>
+          </a:p>
+        </p:txBody>
+      </p:sp>
+      <p:sp>
+        <p:nvSpPr>
+          <p:cNvPr id="4" name="Slide Number Placeholder 3"/>
+          <p:cNvSpPr>
+            <a:spLocks noGrp="1"/>
+          </p:cNvSpPr>
+          <p:nvPr>
+            <p:ph type="sldNum" sz="quarter" idx="5"/>
+          </p:nvPr>
+        </p:nvSpPr>
+        <p:spPr/>
+        <p:txBody>
+          <a:bodyPr/>
+          <a:lstStyle/>
+          <a:p>
+            <a:fld id="{F564EE56-D8FA-46A2-BDA0-45859955D89D}" type="slidenum">
+              <a:rPr kumimoji="1" lang="ja-JP" altLang="en-US" smtClean="0"/>
+              <a:t>36</a:t>
+            </a:fld>
+            <a:endParaRPr kumimoji="1" lang="ja-JP" altLang="en-US"/>
+          </a:p>
+        </p:txBody>
+      </p:sp>
+    </p:spTree>
+    <p:extLst>
+      <p:ext uri="{BB962C8B-B14F-4D97-AF65-F5344CB8AC3E}">
+        <p14:creationId xmlns:p14="http://schemas.microsoft.com/office/powerpoint/2010/main" val="761488113"/>
+      </p:ext>
+    </p:extLst>
+  </p:cSld>
+  <p:clrMapOvr>
+    <a:masterClrMapping/>
+  </p:clrMapOvr>
+</p:notes>
 </file>
 
 <file path=ppt/slideLayouts/slideLayout1.xml><?xml version="1.0" encoding="utf-8"?>
@@ -6583,35 +6751,6 @@
           </p:sp>
         </mc:Fallback>
       </mc:AlternateContent>
-      <p:sp>
-        <p:nvSpPr>
-          <p:cNvPr id="4" name="スライド番号プレースホルダー 3">
-            <a:extLst>
-              <a:ext uri="{FF2B5EF4-FFF2-40B4-BE49-F238E27FC236}">
-                <a16:creationId xmlns:a16="http://schemas.microsoft.com/office/drawing/2014/main" id="{F78F1231-6406-47A2-B1D5-0790830DC1B4}"/>
-              </a:ext>
-            </a:extLst>
-          </p:cNvPr>
-          <p:cNvSpPr>
-            <a:spLocks noGrp="1"/>
-          </p:cNvSpPr>
-          <p:nvPr>
-            <p:ph type="sldNum" sz="quarter" idx="12"/>
-          </p:nvPr>
-        </p:nvSpPr>
-        <p:spPr/>
-        <p:txBody>
-          <a:bodyPr/>
-          <a:lstStyle/>
-          <a:p>
-            <a:fld id="{83E4BC44-1CD2-4666-A5F4-A286043144FC}" type="slidenum">
-              <a:rPr kumimoji="1" lang="ja-JP" altLang="en-US" smtClean="0"/>
-              <a:t>18</a:t>
-            </a:fld>
-            <a:endParaRPr kumimoji="1" lang="ja-JP" altLang="en-US"/>
-          </a:p>
-        </p:txBody>
-      </p:sp>
     </p:spTree>
     <p:extLst>
       <p:ext uri="{BB962C8B-B14F-4D97-AF65-F5344CB8AC3E}">
@@ -10636,35 +10775,6 @@
           </p:sp>
         </mc:Fallback>
       </mc:AlternateContent>
-      <p:sp>
-        <p:nvSpPr>
-          <p:cNvPr id="4" name="スライド番号プレースホルダー 3">
-            <a:extLst>
-              <a:ext uri="{FF2B5EF4-FFF2-40B4-BE49-F238E27FC236}">
-                <a16:creationId xmlns:a16="http://schemas.microsoft.com/office/drawing/2014/main" id="{D33B41B1-CC13-4DA6-930D-5F39C076CF8A}"/>
-              </a:ext>
-            </a:extLst>
-          </p:cNvPr>
-          <p:cNvSpPr>
-            <a:spLocks noGrp="1"/>
-          </p:cNvSpPr>
-          <p:nvPr>
-            <p:ph type="sldNum" sz="quarter" idx="12"/>
-          </p:nvPr>
-        </p:nvSpPr>
-        <p:spPr/>
-        <p:txBody>
-          <a:bodyPr/>
-          <a:lstStyle/>
-          <a:p>
-            <a:fld id="{83E4BC44-1CD2-4666-A5F4-A286043144FC}" type="slidenum">
-              <a:rPr kumimoji="1" lang="ja-JP" altLang="en-US" smtClean="0"/>
-              <a:t>22</a:t>
-            </a:fld>
-            <a:endParaRPr kumimoji="1" lang="ja-JP" altLang="en-US"/>
-          </a:p>
-        </p:txBody>
-      </p:sp>
     </p:spTree>
     <p:extLst>
       <p:ext uri="{BB962C8B-B14F-4D97-AF65-F5344CB8AC3E}">
@@ -10713,9 +10823,10 @@
           <a:lstStyle/>
           <a:p>
             <a:r>
-              <a:rPr kumimoji="1" lang="ja-JP" altLang="en-US" sz="3600" dirty="0"/>
+              <a:rPr kumimoji="1" lang="ja-JP" altLang="en-US" sz="3600"/>
               <a:t>標本不偏分散を用いた標本平均の標準化</a:t>
             </a:r>
+            <a:endParaRPr kumimoji="1" lang="ja-JP" altLang="en-US" sz="3600" dirty="0"/>
           </a:p>
         </p:txBody>
       </p:sp>
@@ -14680,8 +14791,8 @@
               </p:sp>
             </mc:Fallback>
           </mc:AlternateContent>
-          <mc:AlternateContent xmlns:mc="http://schemas.openxmlformats.org/markup-compatibility/2006">
-            <mc:Choice xmlns:a14="http://schemas.microsoft.com/office/drawing/2010/main" Requires="a14">
+          <mc:AlternateContent xmlns:mc="http://schemas.openxmlformats.org/markup-compatibility/2006" xmlns:a14="http://schemas.microsoft.com/office/drawing/2010/main">
+            <mc:Choice Requires="a14">
               <p:sp>
                 <p:nvSpPr>
                   <p:cNvPr id="14" name="正方形/長方形 13"/>
@@ -15480,7 +15591,7 @@
                 </p:txBody>
               </p:sp>
             </mc:Choice>
-            <mc:Fallback>
+            <mc:Fallback xmlns="">
               <p:sp>
                 <p:nvSpPr>
                   <p:cNvPr id="14" name="正方形/長方形 13"/>
@@ -15905,35 +16016,6 @@
           </mc:Fallback>
         </mc:AlternateContent>
       </p:grpSp>
-      <p:sp>
-        <p:nvSpPr>
-          <p:cNvPr id="3" name="スライド番号プレースホルダー 2">
-            <a:extLst>
-              <a:ext uri="{FF2B5EF4-FFF2-40B4-BE49-F238E27FC236}">
-                <a16:creationId xmlns:a16="http://schemas.microsoft.com/office/drawing/2014/main" id="{8CBB5B25-A273-4570-A677-B2624733E644}"/>
-              </a:ext>
-            </a:extLst>
-          </p:cNvPr>
-          <p:cNvSpPr>
-            <a:spLocks noGrp="1"/>
-          </p:cNvSpPr>
-          <p:nvPr>
-            <p:ph type="sldNum" sz="quarter" idx="12"/>
-          </p:nvPr>
-        </p:nvSpPr>
-        <p:spPr/>
-        <p:txBody>
-          <a:bodyPr/>
-          <a:lstStyle/>
-          <a:p>
-            <a:fld id="{83E4BC44-1CD2-4666-A5F4-A286043144FC}" type="slidenum">
-              <a:rPr kumimoji="1" lang="ja-JP" altLang="en-US" smtClean="0"/>
-              <a:t>3</a:t>
-            </a:fld>
-            <a:endParaRPr kumimoji="1" lang="ja-JP" altLang="en-US"/>
-          </a:p>
-        </p:txBody>
-      </p:sp>
     </p:spTree>
     <p:extLst>
       <p:ext uri="{BB962C8B-B14F-4D97-AF65-F5344CB8AC3E}">
@@ -16977,7 +17059,7 @@
         </p:nvGrpSpPr>
         <p:grpSpPr>
           <a:xfrm>
-            <a:off x="3851920" y="404664"/>
+            <a:off x="3851920" y="908720"/>
             <a:ext cx="5010537" cy="1008112"/>
             <a:chOff x="3851920" y="404664"/>
             <a:chExt cx="5010537" cy="1008112"/>
@@ -17194,8 +17276,8 @@
             </p:sp>
           </mc:Fallback>
         </mc:AlternateContent>
-        <mc:AlternateContent xmlns:mc="http://schemas.openxmlformats.org/markup-compatibility/2006" xmlns:a14="http://schemas.microsoft.com/office/drawing/2010/main">
-          <mc:Choice Requires="a14">
+        <mc:AlternateContent xmlns:mc="http://schemas.openxmlformats.org/markup-compatibility/2006">
+          <mc:Choice xmlns:a14="http://schemas.microsoft.com/office/drawing/2010/main" Requires="a14">
             <p:sp>
               <p:nvSpPr>
                 <p:cNvPr id="11" name="角丸四角形 10"/>
@@ -17331,7 +17413,7 @@
               </p:txBody>
             </p:sp>
           </mc:Choice>
-          <mc:Fallback xmlns="">
+          <mc:Fallback>
             <p:sp>
               <p:nvSpPr>
                 <p:cNvPr id="11" name="角丸四角形 10"/>
@@ -17348,7 +17430,7 @@
                 <a:prstGeom prst="roundRect">
                   <a:avLst/>
                 </a:prstGeom>
-                <a:blipFill rotWithShape="1">
+                <a:blipFill>
                   <a:blip r:embed="rId4"/>
                   <a:stretch>
                     <a:fillRect/>
@@ -17365,7 +17447,7 @@
                 <a:lstStyle/>
                 <a:p>
                   <a:r>
-                    <a:rPr lang="ja-JP" altLang="en-US">
+                    <a:rPr lang="en-JP">
                       <a:noFill/>
                     </a:rPr>
                     <a:t> </a:t>
@@ -17376,35 +17458,6 @@
           </mc:Fallback>
         </mc:AlternateContent>
       </p:grpSp>
-      <p:sp>
-        <p:nvSpPr>
-          <p:cNvPr id="3" name="スライド番号プレースホルダー 2">
-            <a:extLst>
-              <a:ext uri="{FF2B5EF4-FFF2-40B4-BE49-F238E27FC236}">
-                <a16:creationId xmlns:a16="http://schemas.microsoft.com/office/drawing/2014/main" id="{487900B1-A64D-46CA-A0F8-33DD8D7FDA5F}"/>
-              </a:ext>
-            </a:extLst>
-          </p:cNvPr>
-          <p:cNvSpPr>
-            <a:spLocks noGrp="1"/>
-          </p:cNvSpPr>
-          <p:nvPr>
-            <p:ph type="sldNum" sz="quarter" idx="12"/>
-          </p:nvPr>
-        </p:nvSpPr>
-        <p:spPr/>
-        <p:txBody>
-          <a:bodyPr/>
-          <a:lstStyle/>
-          <a:p>
-            <a:fld id="{83E4BC44-1CD2-4666-A5F4-A286043144FC}" type="slidenum">
-              <a:rPr kumimoji="1" lang="ja-JP" altLang="en-US" smtClean="0"/>
-              <a:t>34</a:t>
-            </a:fld>
-            <a:endParaRPr kumimoji="1" lang="ja-JP" altLang="en-US"/>
-          </a:p>
-        </p:txBody>
-      </p:sp>
     </p:spTree>
     <p:extLst>
       <p:ext uri="{BB962C8B-B14F-4D97-AF65-F5344CB8AC3E}">
@@ -17536,7 +17589,7 @@
         </p:nvGrpSpPr>
         <p:grpSpPr>
           <a:xfrm>
-            <a:off x="3851920" y="404664"/>
+            <a:off x="3851920" y="908720"/>
             <a:ext cx="5010537" cy="1008112"/>
             <a:chOff x="3851920" y="404664"/>
             <a:chExt cx="5010537" cy="1008112"/>
@@ -18425,35 +18478,6 @@
           </a:p>
         </p:txBody>
       </p:sp>
-      <p:sp>
-        <p:nvSpPr>
-          <p:cNvPr id="3" name="スライド番号プレースホルダー 2">
-            <a:extLst>
-              <a:ext uri="{FF2B5EF4-FFF2-40B4-BE49-F238E27FC236}">
-                <a16:creationId xmlns:a16="http://schemas.microsoft.com/office/drawing/2014/main" id="{9AD06DCD-F143-4F83-8590-56C8273235A2}"/>
-              </a:ext>
-            </a:extLst>
-          </p:cNvPr>
-          <p:cNvSpPr>
-            <a:spLocks noGrp="1"/>
-          </p:cNvSpPr>
-          <p:nvPr>
-            <p:ph type="sldNum" sz="quarter" idx="12"/>
-          </p:nvPr>
-        </p:nvSpPr>
-        <p:spPr/>
-        <p:txBody>
-          <a:bodyPr/>
-          <a:lstStyle/>
-          <a:p>
-            <a:fld id="{83E4BC44-1CD2-4666-A5F4-A286043144FC}" type="slidenum">
-              <a:rPr kumimoji="1" lang="ja-JP" altLang="en-US" smtClean="0"/>
-              <a:t>35</a:t>
-            </a:fld>
-            <a:endParaRPr kumimoji="1" lang="ja-JP" altLang="en-US"/>
-          </a:p>
-        </p:txBody>
-      </p:sp>
     </p:spTree>
     <p:extLst>
       <p:ext uri="{BB962C8B-B14F-4D97-AF65-F5344CB8AC3E}">
@@ -18520,7 +18544,7 @@
           <p:nvPr/>
         </p:nvPicPr>
         <p:blipFill>
-          <a:blip r:embed="rId2">
+          <a:blip r:embed="rId3">
             <a:extLst>
               <a:ext uri="{28A0092B-C50C-407E-A947-70E740481C1C}">
                 <a14:useLocalDpi xmlns:a14="http://schemas.microsoft.com/office/drawing/2010/main" val="0"/>
@@ -18584,7 +18608,7 @@
           <p:nvPr/>
         </p:nvPicPr>
         <p:blipFill>
-          <a:blip r:embed="rId3">
+          <a:blip r:embed="rId4">
             <a:extLst>
               <a:ext uri="{28A0092B-C50C-407E-A947-70E740481C1C}">
                 <a14:useLocalDpi xmlns:a14="http://schemas.microsoft.com/office/drawing/2010/main" val="0"/>
@@ -19758,8 +19782,8 @@
           </a:p>
         </p:txBody>
       </p:sp>
-      <mc:AlternateContent xmlns:mc="http://schemas.openxmlformats.org/markup-compatibility/2006" xmlns:a14="http://schemas.microsoft.com/office/drawing/2010/main">
-        <mc:Choice Requires="a14">
+      <mc:AlternateContent xmlns:mc="http://schemas.openxmlformats.org/markup-compatibility/2006">
+        <mc:Choice xmlns:a14="http://schemas.microsoft.com/office/drawing/2010/main" Requires="a14">
           <p:sp>
             <p:nvSpPr>
               <p:cNvPr id="14" name="角丸四角形吹き出し 13"/>
@@ -19768,7 +19792,7 @@
             </p:nvSpPr>
             <p:spPr>
               <a:xfrm>
-                <a:off x="6012160" y="5733256"/>
+                <a:off x="6012160" y="5661248"/>
                 <a:ext cx="2736304" cy="792088"/>
               </a:xfrm>
               <a:prstGeom prst="wedgeRoundRectCallout">
@@ -19882,7 +19906,7 @@
             </p:txBody>
           </p:sp>
         </mc:Choice>
-        <mc:Fallback xmlns="">
+        <mc:Fallback>
           <p:sp>
             <p:nvSpPr>
               <p:cNvPr id="14" name="角丸四角形吹き出し 13"/>
@@ -19893,7 +19917,7 @@
             </p:nvSpPr>
             <p:spPr>
               <a:xfrm>
-                <a:off x="6012160" y="5733256"/>
+                <a:off x="6012160" y="5661248"/>
                 <a:ext cx="2736304" cy="792088"/>
               </a:xfrm>
               <a:prstGeom prst="wedgeRoundRectCallout">
@@ -19903,7 +19927,7 @@
                   <a:gd name="adj3" fmla="val 16667"/>
                 </a:avLst>
               </a:prstGeom>
-              <a:blipFill rotWithShape="1">
+              <a:blipFill>
                 <a:blip r:embed="rId6"/>
                 <a:stretch>
                   <a:fillRect/>
@@ -19918,7 +19942,7 @@
               <a:lstStyle/>
               <a:p>
                 <a:r>
-                  <a:rPr lang="ja-JP" altLang="en-US">
+                  <a:rPr lang="en-JP">
                     <a:noFill/>
                   </a:rPr>
                   <a:t> </a:t>
@@ -19928,35 +19952,6 @@
           </p:sp>
         </mc:Fallback>
       </mc:AlternateContent>
-      <p:sp>
-        <p:nvSpPr>
-          <p:cNvPr id="3" name="スライド番号プレースホルダー 2">
-            <a:extLst>
-              <a:ext uri="{FF2B5EF4-FFF2-40B4-BE49-F238E27FC236}">
-                <a16:creationId xmlns:a16="http://schemas.microsoft.com/office/drawing/2014/main" id="{6E641D67-75CC-48D4-AFC3-6A72258C77F6}"/>
-              </a:ext>
-            </a:extLst>
-          </p:cNvPr>
-          <p:cNvSpPr>
-            <a:spLocks noGrp="1"/>
-          </p:cNvSpPr>
-          <p:nvPr>
-            <p:ph type="sldNum" sz="quarter" idx="12"/>
-          </p:nvPr>
-        </p:nvSpPr>
-        <p:spPr/>
-        <p:txBody>
-          <a:bodyPr/>
-          <a:lstStyle/>
-          <a:p>
-            <a:fld id="{83E4BC44-1CD2-4666-A5F4-A286043144FC}" type="slidenum">
-              <a:rPr kumimoji="1" lang="ja-JP" altLang="en-US" smtClean="0"/>
-              <a:t>38</a:t>
-            </a:fld>
-            <a:endParaRPr kumimoji="1" lang="ja-JP" altLang="en-US"/>
-          </a:p>
-        </p:txBody>
-      </p:sp>
     </p:spTree>
     <p:extLst>
       <p:ext uri="{BB962C8B-B14F-4D97-AF65-F5344CB8AC3E}">
@@ -20843,8 +20838,8 @@
           </a:p>
         </p:txBody>
       </p:sp>
-      <mc:AlternateContent xmlns:mc="http://schemas.openxmlformats.org/markup-compatibility/2006" xmlns:a14="http://schemas.microsoft.com/office/drawing/2010/main">
-        <mc:Choice Requires="a14">
+      <mc:AlternateContent xmlns:mc="http://schemas.openxmlformats.org/markup-compatibility/2006">
+        <mc:Choice xmlns:a14="http://schemas.microsoft.com/office/drawing/2010/main" Requires="a14">
           <p:sp>
             <p:nvSpPr>
               <p:cNvPr id="21" name="角丸四角形吹き出し 20"/>
@@ -20853,7 +20848,7 @@
             </p:nvSpPr>
             <p:spPr>
               <a:xfrm>
-                <a:off x="6012160" y="5733256"/>
+                <a:off x="6012160" y="5661248"/>
                 <a:ext cx="2736304" cy="792088"/>
               </a:xfrm>
               <a:prstGeom prst="wedgeRoundRectCallout">
@@ -20967,7 +20962,7 @@
             </p:txBody>
           </p:sp>
         </mc:Choice>
-        <mc:Fallback xmlns="">
+        <mc:Fallback>
           <p:sp>
             <p:nvSpPr>
               <p:cNvPr id="21" name="角丸四角形吹き出し 20"/>
@@ -20978,7 +20973,7 @@
             </p:nvSpPr>
             <p:spPr>
               <a:xfrm>
-                <a:off x="6012160" y="5733256"/>
+                <a:off x="6012160" y="5661248"/>
                 <a:ext cx="2736304" cy="792088"/>
               </a:xfrm>
               <a:prstGeom prst="wedgeRoundRectCallout">
@@ -20988,7 +20983,7 @@
                   <a:gd name="adj3" fmla="val 16667"/>
                 </a:avLst>
               </a:prstGeom>
-              <a:blipFill rotWithShape="1">
+              <a:blipFill>
                 <a:blip r:embed="rId6"/>
                 <a:stretch>
                   <a:fillRect/>
@@ -21003,7 +20998,7 @@
               <a:lstStyle/>
               <a:p>
                 <a:r>
-                  <a:rPr lang="ja-JP" altLang="en-US">
+                  <a:rPr lang="en-JP">
                     <a:noFill/>
                   </a:rPr>
                   <a:t> </a:t>
@@ -21013,8 +21008,8 @@
           </p:sp>
         </mc:Fallback>
       </mc:AlternateContent>
-      <mc:AlternateContent xmlns:mc="http://schemas.openxmlformats.org/markup-compatibility/2006" xmlns:a14="http://schemas.microsoft.com/office/drawing/2010/main">
-        <mc:Choice Requires="a14">
+      <mc:AlternateContent xmlns:mc="http://schemas.openxmlformats.org/markup-compatibility/2006">
+        <mc:Choice xmlns:a14="http://schemas.microsoft.com/office/drawing/2010/main" Requires="a14">
           <p:sp>
             <p:nvSpPr>
               <p:cNvPr id="22" name="角丸四角形吹き出し 21"/>
@@ -21023,7 +21018,7 @@
             </p:nvSpPr>
             <p:spPr>
               <a:xfrm>
-                <a:off x="395536" y="5841268"/>
+                <a:off x="395536" y="5661248"/>
                 <a:ext cx="2736304" cy="792088"/>
               </a:xfrm>
               <a:prstGeom prst="wedgeRoundRectCallout">
@@ -21146,7 +21141,7 @@
             </p:txBody>
           </p:sp>
         </mc:Choice>
-        <mc:Fallback xmlns="">
+        <mc:Fallback>
           <p:sp>
             <p:nvSpPr>
               <p:cNvPr id="22" name="角丸四角形吹き出し 21"/>
@@ -21157,7 +21152,7 @@
             </p:nvSpPr>
             <p:spPr>
               <a:xfrm>
-                <a:off x="395536" y="5841268"/>
+                <a:off x="395536" y="5661248"/>
                 <a:ext cx="2736304" cy="792088"/>
               </a:xfrm>
               <a:prstGeom prst="wedgeRoundRectCallout">
@@ -21167,7 +21162,7 @@
                   <a:gd name="adj3" fmla="val 16667"/>
                 </a:avLst>
               </a:prstGeom>
-              <a:blipFill rotWithShape="1">
+              <a:blipFill>
                 <a:blip r:embed="rId7"/>
                 <a:stretch>
                   <a:fillRect/>
@@ -21182,7 +21177,7 @@
               <a:lstStyle/>
               <a:p>
                 <a:r>
-                  <a:rPr lang="ja-JP" altLang="en-US">
+                  <a:rPr lang="en-JP">
                     <a:noFill/>
                   </a:rPr>
                   <a:t> </a:t>
@@ -21267,35 +21262,6 @@
               <a:ea typeface="メイリオ" panose="020B0604030504040204" pitchFamily="50" charset="-128"/>
               <a:cs typeface="メイリオ" panose="020B0604030504040204" pitchFamily="50" charset="-128"/>
             </a:endParaRPr>
-          </a:p>
-        </p:txBody>
-      </p:sp>
-      <p:sp>
-        <p:nvSpPr>
-          <p:cNvPr id="3" name="スライド番号プレースホルダー 2">
-            <a:extLst>
-              <a:ext uri="{FF2B5EF4-FFF2-40B4-BE49-F238E27FC236}">
-                <a16:creationId xmlns:a16="http://schemas.microsoft.com/office/drawing/2014/main" id="{83B7A1F6-8135-43FF-A48C-F03E389ADD18}"/>
-              </a:ext>
-            </a:extLst>
-          </p:cNvPr>
-          <p:cNvSpPr>
-            <a:spLocks noGrp="1"/>
-          </p:cNvSpPr>
-          <p:nvPr>
-            <p:ph type="sldNum" sz="quarter" idx="12"/>
-          </p:nvPr>
-        </p:nvSpPr>
-        <p:spPr/>
-        <p:txBody>
-          <a:bodyPr/>
-          <a:lstStyle/>
-          <a:p>
-            <a:fld id="{83E4BC44-1CD2-4666-A5F4-A286043144FC}" type="slidenum">
-              <a:rPr kumimoji="1" lang="ja-JP" altLang="en-US" smtClean="0"/>
-              <a:t>39</a:t>
-            </a:fld>
-            <a:endParaRPr kumimoji="1" lang="ja-JP" altLang="en-US"/>
           </a:p>
         </p:txBody>
       </p:sp>
@@ -23985,35 +23951,6 @@
               <a:ea typeface="メイリオ" panose="020B0604030504040204" pitchFamily="50" charset="-128"/>
               <a:cs typeface="メイリオ" panose="020B0604030504040204" pitchFamily="50" charset="-128"/>
             </a:endParaRPr>
-          </a:p>
-        </p:txBody>
-      </p:sp>
-      <p:sp>
-        <p:nvSpPr>
-          <p:cNvPr id="4" name="スライド番号プレースホルダー 3">
-            <a:extLst>
-              <a:ext uri="{FF2B5EF4-FFF2-40B4-BE49-F238E27FC236}">
-                <a16:creationId xmlns:a16="http://schemas.microsoft.com/office/drawing/2014/main" id="{D8E347C3-27D7-4F5D-82FE-5C11BEAC6156}"/>
-              </a:ext>
-            </a:extLst>
-          </p:cNvPr>
-          <p:cNvSpPr>
-            <a:spLocks noGrp="1"/>
-          </p:cNvSpPr>
-          <p:nvPr>
-            <p:ph type="sldNum" sz="quarter" idx="12"/>
-          </p:nvPr>
-        </p:nvSpPr>
-        <p:spPr/>
-        <p:txBody>
-          <a:bodyPr/>
-          <a:lstStyle/>
-          <a:p>
-            <a:fld id="{83E4BC44-1CD2-4666-A5F4-A286043144FC}" type="slidenum">
-              <a:rPr kumimoji="1" lang="ja-JP" altLang="en-US" smtClean="0"/>
-              <a:t>4</a:t>
-            </a:fld>
-            <a:endParaRPr kumimoji="1" lang="ja-JP" altLang="en-US"/>
           </a:p>
         </p:txBody>
       </p:sp>
@@ -27273,35 +27210,6 @@
           </a:p>
         </p:txBody>
       </p:sp>
-      <p:sp>
-        <p:nvSpPr>
-          <p:cNvPr id="4" name="スライド番号プレースホルダー 3">
-            <a:extLst>
-              <a:ext uri="{FF2B5EF4-FFF2-40B4-BE49-F238E27FC236}">
-                <a16:creationId xmlns:a16="http://schemas.microsoft.com/office/drawing/2014/main" id="{C0EC9B21-E7AC-4A1B-8B17-BD6C1B138E87}"/>
-              </a:ext>
-            </a:extLst>
-          </p:cNvPr>
-          <p:cNvSpPr>
-            <a:spLocks noGrp="1"/>
-          </p:cNvSpPr>
-          <p:nvPr>
-            <p:ph type="sldNum" sz="quarter" idx="12"/>
-          </p:nvPr>
-        </p:nvSpPr>
-        <p:spPr/>
-        <p:txBody>
-          <a:bodyPr/>
-          <a:lstStyle/>
-          <a:p>
-            <a:fld id="{83E4BC44-1CD2-4666-A5F4-A286043144FC}" type="slidenum">
-              <a:rPr kumimoji="1" lang="ja-JP" altLang="en-US" smtClean="0"/>
-              <a:t>5</a:t>
-            </a:fld>
-            <a:endParaRPr kumimoji="1" lang="ja-JP" altLang="en-US"/>
-          </a:p>
-        </p:txBody>
-      </p:sp>
     </p:spTree>
     <p:extLst>
       <p:ext uri="{BB962C8B-B14F-4D97-AF65-F5344CB8AC3E}">
@@ -30001,35 +29909,6 @@
           </p:sp>
         </mc:Fallback>
       </mc:AlternateContent>
-      <p:sp>
-        <p:nvSpPr>
-          <p:cNvPr id="4" name="スライド番号プレースホルダー 3">
-            <a:extLst>
-              <a:ext uri="{FF2B5EF4-FFF2-40B4-BE49-F238E27FC236}">
-                <a16:creationId xmlns:a16="http://schemas.microsoft.com/office/drawing/2014/main" id="{694C984D-512A-44D0-A49C-C7BFDFA8E67E}"/>
-              </a:ext>
-            </a:extLst>
-          </p:cNvPr>
-          <p:cNvSpPr>
-            <a:spLocks noGrp="1"/>
-          </p:cNvSpPr>
-          <p:nvPr>
-            <p:ph type="sldNum" sz="quarter" idx="12"/>
-          </p:nvPr>
-        </p:nvSpPr>
-        <p:spPr/>
-        <p:txBody>
-          <a:bodyPr/>
-          <a:lstStyle/>
-          <a:p>
-            <a:fld id="{83E4BC44-1CD2-4666-A5F4-A286043144FC}" type="slidenum">
-              <a:rPr kumimoji="1" lang="ja-JP" altLang="en-US" smtClean="0"/>
-              <a:t>6</a:t>
-            </a:fld>
-            <a:endParaRPr kumimoji="1" lang="ja-JP" altLang="en-US"/>
-          </a:p>
-        </p:txBody>
-      </p:sp>
     </p:spTree>
     <p:extLst>
       <p:ext uri="{BB962C8B-B14F-4D97-AF65-F5344CB8AC3E}">
